--- a/lectures/SECURITY/slides/lecture02.pptx
+++ b/lectures/SECURITY/slides/lecture02.pptx
@@ -5,10 +5,10 @@
     <p:sldMasterId id="2147483649" r:id="rId1"/>
   </p:sldMasterIdLst>
   <p:notesMasterIdLst>
-    <p:notesMasterId r:id="rId39"/>
+    <p:notesMasterId r:id="rId40"/>
   </p:notesMasterIdLst>
   <p:handoutMasterIdLst>
-    <p:handoutMasterId r:id="rId40"/>
+    <p:handoutMasterId r:id="rId41"/>
   </p:handoutMasterIdLst>
   <p:sldIdLst>
     <p:sldId id="257" r:id="rId2"/>
@@ -48,6 +48,7 @@
     <p:sldId id="316" r:id="rId36"/>
     <p:sldId id="310" r:id="rId37"/>
     <p:sldId id="311" r:id="rId38"/>
+    <p:sldId id="317" r:id="rId39"/>
   </p:sldIdLst>
   <p:sldSz cx="9144000" cy="6858000" type="screen4x3"/>
   <p:notesSz cx="6858000" cy="9144000"/>
@@ -319,7 +320,7 @@
             <a:fld id="{51CB2B5F-7D78-487B-A24F-FE1E8FDCB62C}" type="datetime1">
               <a:rPr lang="en-US"/>
               <a:pPr/>
-              <a:t>1/24/19</a:t>
+              <a:t>2/6/19</a:t>
             </a:fld>
             <a:endParaRPr lang="en-US"/>
           </a:p>
@@ -25345,6 +25346,159 @@
 </p:sld>
 </file>
 
+<file path=ppt/slides/slide38.xml><?xml version="1.0" encoding="utf-8"?>
+<p:sld xmlns:a="http://schemas.openxmlformats.org/drawingml/2006/main" xmlns:r="http://schemas.openxmlformats.org/officeDocument/2006/relationships" xmlns:p="http://schemas.openxmlformats.org/presentationml/2006/main">
+  <p:cSld>
+    <p:spTree>
+      <p:nvGrpSpPr>
+        <p:cNvPr id="1" name=""/>
+        <p:cNvGrpSpPr/>
+        <p:nvPr/>
+      </p:nvGrpSpPr>
+      <p:grpSpPr>
+        <a:xfrm>
+          <a:off x="0" y="0"/>
+          <a:ext cx="0" cy="0"/>
+          <a:chOff x="0" y="0"/>
+          <a:chExt cx="0" cy="0"/>
+        </a:xfrm>
+      </p:grpSpPr>
+      <p:sp>
+        <p:nvSpPr>
+          <p:cNvPr id="2" name="Title 1"/>
+          <p:cNvSpPr>
+            <a:spLocks noGrp="1"/>
+          </p:cNvSpPr>
+          <p:nvPr>
+            <p:ph type="title"/>
+          </p:nvPr>
+        </p:nvSpPr>
+        <p:spPr>
+          <a:xfrm>
+            <a:off x="700641" y="404664"/>
+            <a:ext cx="7772400" cy="1362075"/>
+          </a:xfrm>
+        </p:spPr>
+        <p:txBody>
+          <a:bodyPr/>
+          <a:lstStyle/>
+          <a:p>
+            <a:r>
+              <a:rPr lang="en-US" dirty="0" smtClean="0"/>
+              <a:t>Example: </a:t>
+            </a:r>
+            <a:r>
+              <a:rPr lang="en-US" dirty="0" err="1" smtClean="0"/>
+              <a:t>PlayFair</a:t>
+            </a:r>
+            <a:endParaRPr lang="en-US" dirty="0"/>
+          </a:p>
+        </p:txBody>
+      </p:sp>
+      <p:sp>
+        <p:nvSpPr>
+          <p:cNvPr id="3" name="Text Placeholder 2"/>
+          <p:cNvSpPr>
+            <a:spLocks noGrp="1"/>
+          </p:cNvSpPr>
+          <p:nvPr>
+            <p:ph type="body" idx="1"/>
+          </p:nvPr>
+        </p:nvSpPr>
+        <p:spPr>
+          <a:xfrm>
+            <a:off x="700641" y="3645024"/>
+            <a:ext cx="7772400" cy="1500187"/>
+          </a:xfrm>
+        </p:spPr>
+        <p:txBody>
+          <a:bodyPr/>
+          <a:lstStyle/>
+          <a:p>
+            <a:r>
+              <a:rPr lang="en-US" dirty="0" smtClean="0"/>
+              <a:t>Encrypt the following message:</a:t>
+            </a:r>
+          </a:p>
+          <a:p>
+            <a:r>
+              <a:rPr lang="en-US" i="1" dirty="0" smtClean="0"/>
+              <a:t>m = “Come to the window.”</a:t>
+            </a:r>
+          </a:p>
+          <a:p>
+            <a:endParaRPr lang="en-US" dirty="0" smtClean="0"/>
+          </a:p>
+          <a:p>
+            <a:r>
+              <a:rPr lang="en-US" dirty="0" smtClean="0"/>
+              <a:t>Using the </a:t>
+            </a:r>
+            <a:r>
+              <a:rPr lang="en-US" dirty="0" err="1" smtClean="0"/>
+              <a:t>playfair</a:t>
+            </a:r>
+            <a:r>
+              <a:rPr lang="en-US" dirty="0" smtClean="0"/>
+              <a:t> cipher with the key </a:t>
+            </a:r>
+            <a:r>
+              <a:rPr lang="en-US" i="1" dirty="0" smtClean="0"/>
+              <a:t>k = SHERLOCK</a:t>
+            </a:r>
+          </a:p>
+          <a:p>
+            <a:endParaRPr lang="en-US" dirty="0"/>
+          </a:p>
+          <a:p>
+            <a:r>
+              <a:rPr lang="en-US" dirty="0" smtClean="0"/>
+              <a:t>Follow the steps:</a:t>
+            </a:r>
+          </a:p>
+          <a:p>
+            <a:pPr marL="457200" indent="-457200">
+              <a:buAutoNum type="arabicPeriod"/>
+            </a:pPr>
+            <a:r>
+              <a:rPr lang="en-US" dirty="0" smtClean="0"/>
+              <a:t>Build bigrams for the original message.</a:t>
+            </a:r>
+          </a:p>
+          <a:p>
+            <a:pPr marL="457200" indent="-457200">
+              <a:buAutoNum type="arabicPeriod"/>
+            </a:pPr>
+            <a:r>
+              <a:rPr lang="en-US" dirty="0" smtClean="0"/>
+              <a:t>Create the 5x5 encryption matrix.</a:t>
+            </a:r>
+          </a:p>
+          <a:p>
+            <a:pPr marL="457200" indent="-457200">
+              <a:buAutoNum type="arabicPeriod"/>
+            </a:pPr>
+            <a:r>
+              <a:rPr lang="en-US" dirty="0" smtClean="0"/>
+              <a:t>Use the matrix to encrypt your message.</a:t>
+            </a:r>
+            <a:endParaRPr lang="en-US" dirty="0"/>
+          </a:p>
+        </p:txBody>
+      </p:sp>
+    </p:spTree>
+    <p:extLst>
+      <p:ext uri="{BB962C8B-B14F-4D97-AF65-F5344CB8AC3E}">
+        <p14:creationId xmlns:p14="http://schemas.microsoft.com/office/powerpoint/2010/main" val="1922400059"/>
+      </p:ext>
+    </p:extLst>
+  </p:cSld>
+  <p:clrMapOvr>
+    <a:masterClrMapping/>
+  </p:clrMapOvr>
+</p:sld>
+</file>
+
 <file path=ppt/slides/slide4.xml><?xml version="1.0" encoding="utf-8"?>
 <p:sld xmlns:a="http://schemas.openxmlformats.org/drawingml/2006/main" xmlns:r="http://schemas.openxmlformats.org/officeDocument/2006/relationships" xmlns:p="http://schemas.openxmlformats.org/presentationml/2006/main">
   <p:cSld>
